--- a/cbf.pptx
+++ b/cbf.pptx
@@ -4199,7 +4199,15 @@
           <a:p>
             <a:r>
               <a:rPr lang="en-US" dirty="0"/>
-              <a:t>On a previous job I had I was the build master. It was then I had to get serious about reliable batch which became the foundation for this talk.</a:t>
+              <a:t>On a previous job I had I was the build master. It was then I had to get serious about writing reliable batch files which forced me to refactor many of my batch </a:t>
+            </a:r>
+            <a:r>
+              <a:rPr lang="en-US"/>
+              <a:t>files and became </a:t>
+            </a:r>
+            <a:r>
+              <a:rPr lang="en-US" dirty="0"/>
+              <a:t>the foundation for this talk.</a:t>
             </a:r>
           </a:p>
           <a:p>
